--- a/trunk/pages/itriFileBrowser/introduce.pptx
+++ b/trunk/pages/itriFileBrowser/introduce.pptx
@@ -6,9 +6,12 @@
   </p:sldMasterIdLst>
   <p:sldIdLst>
     <p:sldId id="256" r:id="rId2"/>
-    <p:sldId id="257" r:id="rId3"/>
-    <p:sldId id="258" r:id="rId4"/>
-    <p:sldId id="259" r:id="rId5"/>
+    <p:sldId id="260" r:id="rId3"/>
+    <p:sldId id="261" r:id="rId4"/>
+    <p:sldId id="257" r:id="rId5"/>
+    <p:sldId id="258" r:id="rId6"/>
+    <p:sldId id="259" r:id="rId7"/>
+    <p:sldId id="262" r:id="rId8"/>
   </p:sldIdLst>
   <p:sldSz cx="9144000" cy="6858000" type="screen4x3"/>
   <p:notesSz cx="6858000" cy="9144000"/>
@@ -291,7 +294,8 @@
           <a:p>
             <a:fld id="{08DC069A-6C78-47E0-B868-4A8405BB51B0}" type="datetimeFigureOut">
               <a:rPr lang="zh-TW" altLang="en-US" smtClean="0"/>
-              <a:t>2012/5/4</a:t>
+              <a:pPr/>
+              <a:t>2012/5/8</a:t>
             </a:fld>
             <a:endParaRPr lang="zh-TW" altLang="en-US"/>
           </a:p>
@@ -333,6 +337,7 @@
           <a:p>
             <a:fld id="{DCCD0543-E9F3-4761-8F4C-9F62CBB0B072}" type="slidenum">
               <a:rPr lang="zh-TW" altLang="en-US" smtClean="0"/>
+              <a:pPr/>
               <a:t>‹#›</a:t>
             </a:fld>
             <a:endParaRPr lang="zh-TW" altLang="en-US"/>
@@ -342,7 +347,7 @@
     </p:spTree>
     <p:extLst>
       <p:ext uri="{BB962C8B-B14F-4D97-AF65-F5344CB8AC3E}">
-        <p14:creationId xmlns:p14="http://schemas.microsoft.com/office/powerpoint/2010/main" val="763036002"/>
+        <p14:creationId xmlns:p14="http://schemas.microsoft.com/office/powerpoint/2010/main" xmlns="" val="763036002"/>
       </p:ext>
     </p:extLst>
   </p:cSld>
@@ -461,7 +466,8 @@
           <a:p>
             <a:fld id="{08DC069A-6C78-47E0-B868-4A8405BB51B0}" type="datetimeFigureOut">
               <a:rPr lang="zh-TW" altLang="en-US" smtClean="0"/>
-              <a:t>2012/5/4</a:t>
+              <a:pPr/>
+              <a:t>2012/5/8</a:t>
             </a:fld>
             <a:endParaRPr lang="zh-TW" altLang="en-US"/>
           </a:p>
@@ -503,6 +509,7 @@
           <a:p>
             <a:fld id="{DCCD0543-E9F3-4761-8F4C-9F62CBB0B072}" type="slidenum">
               <a:rPr lang="zh-TW" altLang="en-US" smtClean="0"/>
+              <a:pPr/>
               <a:t>‹#›</a:t>
             </a:fld>
             <a:endParaRPr lang="zh-TW" altLang="en-US"/>
@@ -512,7 +519,7 @@
     </p:spTree>
     <p:extLst>
       <p:ext uri="{BB962C8B-B14F-4D97-AF65-F5344CB8AC3E}">
-        <p14:creationId xmlns:p14="http://schemas.microsoft.com/office/powerpoint/2010/main" val="2965334621"/>
+        <p14:creationId xmlns:p14="http://schemas.microsoft.com/office/powerpoint/2010/main" xmlns="" val="2965334621"/>
       </p:ext>
     </p:extLst>
   </p:cSld>
@@ -641,7 +648,8 @@
           <a:p>
             <a:fld id="{08DC069A-6C78-47E0-B868-4A8405BB51B0}" type="datetimeFigureOut">
               <a:rPr lang="zh-TW" altLang="en-US" smtClean="0"/>
-              <a:t>2012/5/4</a:t>
+              <a:pPr/>
+              <a:t>2012/5/8</a:t>
             </a:fld>
             <a:endParaRPr lang="zh-TW" altLang="en-US"/>
           </a:p>
@@ -683,6 +691,7 @@
           <a:p>
             <a:fld id="{DCCD0543-E9F3-4761-8F4C-9F62CBB0B072}" type="slidenum">
               <a:rPr lang="zh-TW" altLang="en-US" smtClean="0"/>
+              <a:pPr/>
               <a:t>‹#›</a:t>
             </a:fld>
             <a:endParaRPr lang="zh-TW" altLang="en-US"/>
@@ -692,7 +701,7 @@
     </p:spTree>
     <p:extLst>
       <p:ext uri="{BB962C8B-B14F-4D97-AF65-F5344CB8AC3E}">
-        <p14:creationId xmlns:p14="http://schemas.microsoft.com/office/powerpoint/2010/main" val="886334821"/>
+        <p14:creationId xmlns:p14="http://schemas.microsoft.com/office/powerpoint/2010/main" xmlns="" val="886334821"/>
       </p:ext>
     </p:extLst>
   </p:cSld>
@@ -811,7 +820,8 @@
           <a:p>
             <a:fld id="{08DC069A-6C78-47E0-B868-4A8405BB51B0}" type="datetimeFigureOut">
               <a:rPr lang="zh-TW" altLang="en-US" smtClean="0"/>
-              <a:t>2012/5/4</a:t>
+              <a:pPr/>
+              <a:t>2012/5/8</a:t>
             </a:fld>
             <a:endParaRPr lang="zh-TW" altLang="en-US"/>
           </a:p>
@@ -853,6 +863,7 @@
           <a:p>
             <a:fld id="{DCCD0543-E9F3-4761-8F4C-9F62CBB0B072}" type="slidenum">
               <a:rPr lang="zh-TW" altLang="en-US" smtClean="0"/>
+              <a:pPr/>
               <a:t>‹#›</a:t>
             </a:fld>
             <a:endParaRPr lang="zh-TW" altLang="en-US"/>
@@ -862,7 +873,7 @@
     </p:spTree>
     <p:extLst>
       <p:ext uri="{BB962C8B-B14F-4D97-AF65-F5344CB8AC3E}">
-        <p14:creationId xmlns:p14="http://schemas.microsoft.com/office/powerpoint/2010/main" val="1690336211"/>
+        <p14:creationId xmlns:p14="http://schemas.microsoft.com/office/powerpoint/2010/main" xmlns="" val="1690336211"/>
       </p:ext>
     </p:extLst>
   </p:cSld>
@@ -1057,7 +1068,8 @@
           <a:p>
             <a:fld id="{08DC069A-6C78-47E0-B868-4A8405BB51B0}" type="datetimeFigureOut">
               <a:rPr lang="zh-TW" altLang="en-US" smtClean="0"/>
-              <a:t>2012/5/4</a:t>
+              <a:pPr/>
+              <a:t>2012/5/8</a:t>
             </a:fld>
             <a:endParaRPr lang="zh-TW" altLang="en-US"/>
           </a:p>
@@ -1099,6 +1111,7 @@
           <a:p>
             <a:fld id="{DCCD0543-E9F3-4761-8F4C-9F62CBB0B072}" type="slidenum">
               <a:rPr lang="zh-TW" altLang="en-US" smtClean="0"/>
+              <a:pPr/>
               <a:t>‹#›</a:t>
             </a:fld>
             <a:endParaRPr lang="zh-TW" altLang="en-US"/>
@@ -1108,7 +1121,7 @@
     </p:spTree>
     <p:extLst>
       <p:ext uri="{BB962C8B-B14F-4D97-AF65-F5344CB8AC3E}">
-        <p14:creationId xmlns:p14="http://schemas.microsoft.com/office/powerpoint/2010/main" val="2409026984"/>
+        <p14:creationId xmlns:p14="http://schemas.microsoft.com/office/powerpoint/2010/main" xmlns="" val="2409026984"/>
       </p:ext>
     </p:extLst>
   </p:cSld>
@@ -1345,7 +1358,8 @@
           <a:p>
             <a:fld id="{08DC069A-6C78-47E0-B868-4A8405BB51B0}" type="datetimeFigureOut">
               <a:rPr lang="zh-TW" altLang="en-US" smtClean="0"/>
-              <a:t>2012/5/4</a:t>
+              <a:pPr/>
+              <a:t>2012/5/8</a:t>
             </a:fld>
             <a:endParaRPr lang="zh-TW" altLang="en-US"/>
           </a:p>
@@ -1387,6 +1401,7 @@
           <a:p>
             <a:fld id="{DCCD0543-E9F3-4761-8F4C-9F62CBB0B072}" type="slidenum">
               <a:rPr lang="zh-TW" altLang="en-US" smtClean="0"/>
+              <a:pPr/>
               <a:t>‹#›</a:t>
             </a:fld>
             <a:endParaRPr lang="zh-TW" altLang="en-US"/>
@@ -1396,7 +1411,7 @@
     </p:spTree>
     <p:extLst>
       <p:ext uri="{BB962C8B-B14F-4D97-AF65-F5344CB8AC3E}">
-        <p14:creationId xmlns:p14="http://schemas.microsoft.com/office/powerpoint/2010/main" val="2962792912"/>
+        <p14:creationId xmlns:p14="http://schemas.microsoft.com/office/powerpoint/2010/main" xmlns="" val="2962792912"/>
       </p:ext>
     </p:extLst>
   </p:cSld>
@@ -1767,7 +1782,8 @@
           <a:p>
             <a:fld id="{08DC069A-6C78-47E0-B868-4A8405BB51B0}" type="datetimeFigureOut">
               <a:rPr lang="zh-TW" altLang="en-US" smtClean="0"/>
-              <a:t>2012/5/4</a:t>
+              <a:pPr/>
+              <a:t>2012/5/8</a:t>
             </a:fld>
             <a:endParaRPr lang="zh-TW" altLang="en-US"/>
           </a:p>
@@ -1809,6 +1825,7 @@
           <a:p>
             <a:fld id="{DCCD0543-E9F3-4761-8F4C-9F62CBB0B072}" type="slidenum">
               <a:rPr lang="zh-TW" altLang="en-US" smtClean="0"/>
+              <a:pPr/>
               <a:t>‹#›</a:t>
             </a:fld>
             <a:endParaRPr lang="zh-TW" altLang="en-US"/>
@@ -1818,7 +1835,7 @@
     </p:spTree>
     <p:extLst>
       <p:ext uri="{BB962C8B-B14F-4D97-AF65-F5344CB8AC3E}">
-        <p14:creationId xmlns:p14="http://schemas.microsoft.com/office/powerpoint/2010/main" val="2565893933"/>
+        <p14:creationId xmlns:p14="http://schemas.microsoft.com/office/powerpoint/2010/main" xmlns="" val="2565893933"/>
       </p:ext>
     </p:extLst>
   </p:cSld>
@@ -1885,7 +1902,8 @@
           <a:p>
             <a:fld id="{08DC069A-6C78-47E0-B868-4A8405BB51B0}" type="datetimeFigureOut">
               <a:rPr lang="zh-TW" altLang="en-US" smtClean="0"/>
-              <a:t>2012/5/4</a:t>
+              <a:pPr/>
+              <a:t>2012/5/8</a:t>
             </a:fld>
             <a:endParaRPr lang="zh-TW" altLang="en-US"/>
           </a:p>
@@ -1927,6 +1945,7 @@
           <a:p>
             <a:fld id="{DCCD0543-E9F3-4761-8F4C-9F62CBB0B072}" type="slidenum">
               <a:rPr lang="zh-TW" altLang="en-US" smtClean="0"/>
+              <a:pPr/>
               <a:t>‹#›</a:t>
             </a:fld>
             <a:endParaRPr lang="zh-TW" altLang="en-US"/>
@@ -1936,7 +1955,7 @@
     </p:spTree>
     <p:extLst>
       <p:ext uri="{BB962C8B-B14F-4D97-AF65-F5344CB8AC3E}">
-        <p14:creationId xmlns:p14="http://schemas.microsoft.com/office/powerpoint/2010/main" val="2151407116"/>
+        <p14:creationId xmlns:p14="http://schemas.microsoft.com/office/powerpoint/2010/main" xmlns="" val="2151407116"/>
       </p:ext>
     </p:extLst>
   </p:cSld>
@@ -1980,7 +1999,8 @@
           <a:p>
             <a:fld id="{08DC069A-6C78-47E0-B868-4A8405BB51B0}" type="datetimeFigureOut">
               <a:rPr lang="zh-TW" altLang="en-US" smtClean="0"/>
-              <a:t>2012/5/4</a:t>
+              <a:pPr/>
+              <a:t>2012/5/8</a:t>
             </a:fld>
             <a:endParaRPr lang="zh-TW" altLang="en-US"/>
           </a:p>
@@ -2022,6 +2042,7 @@
           <a:p>
             <a:fld id="{DCCD0543-E9F3-4761-8F4C-9F62CBB0B072}" type="slidenum">
               <a:rPr lang="zh-TW" altLang="en-US" smtClean="0"/>
+              <a:pPr/>
               <a:t>‹#›</a:t>
             </a:fld>
             <a:endParaRPr lang="zh-TW" altLang="en-US"/>
@@ -2031,7 +2052,7 @@
     </p:spTree>
     <p:extLst>
       <p:ext uri="{BB962C8B-B14F-4D97-AF65-F5344CB8AC3E}">
-        <p14:creationId xmlns:p14="http://schemas.microsoft.com/office/powerpoint/2010/main" val="1930333699"/>
+        <p14:creationId xmlns:p14="http://schemas.microsoft.com/office/powerpoint/2010/main" xmlns="" val="1930333699"/>
       </p:ext>
     </p:extLst>
   </p:cSld>
@@ -2257,7 +2278,8 @@
           <a:p>
             <a:fld id="{08DC069A-6C78-47E0-B868-4A8405BB51B0}" type="datetimeFigureOut">
               <a:rPr lang="zh-TW" altLang="en-US" smtClean="0"/>
-              <a:t>2012/5/4</a:t>
+              <a:pPr/>
+              <a:t>2012/5/8</a:t>
             </a:fld>
             <a:endParaRPr lang="zh-TW" altLang="en-US"/>
           </a:p>
@@ -2299,6 +2321,7 @@
           <a:p>
             <a:fld id="{DCCD0543-E9F3-4761-8F4C-9F62CBB0B072}" type="slidenum">
               <a:rPr lang="zh-TW" altLang="en-US" smtClean="0"/>
+              <a:pPr/>
               <a:t>‹#›</a:t>
             </a:fld>
             <a:endParaRPr lang="zh-TW" altLang="en-US"/>
@@ -2308,7 +2331,7 @@
     </p:spTree>
     <p:extLst>
       <p:ext uri="{BB962C8B-B14F-4D97-AF65-F5344CB8AC3E}">
-        <p14:creationId xmlns:p14="http://schemas.microsoft.com/office/powerpoint/2010/main" val="1418584201"/>
+        <p14:creationId xmlns:p14="http://schemas.microsoft.com/office/powerpoint/2010/main" xmlns="" val="1418584201"/>
       </p:ext>
     </p:extLst>
   </p:cSld>
@@ -2510,7 +2533,8 @@
           <a:p>
             <a:fld id="{08DC069A-6C78-47E0-B868-4A8405BB51B0}" type="datetimeFigureOut">
               <a:rPr lang="zh-TW" altLang="en-US" smtClean="0"/>
-              <a:t>2012/5/4</a:t>
+              <a:pPr/>
+              <a:t>2012/5/8</a:t>
             </a:fld>
             <a:endParaRPr lang="zh-TW" altLang="en-US"/>
           </a:p>
@@ -2552,6 +2576,7 @@
           <a:p>
             <a:fld id="{DCCD0543-E9F3-4761-8F4C-9F62CBB0B072}" type="slidenum">
               <a:rPr lang="zh-TW" altLang="en-US" smtClean="0"/>
+              <a:pPr/>
               <a:t>‹#›</a:t>
             </a:fld>
             <a:endParaRPr lang="zh-TW" altLang="en-US"/>
@@ -2561,7 +2586,7 @@
     </p:spTree>
     <p:extLst>
       <p:ext uri="{BB962C8B-B14F-4D97-AF65-F5344CB8AC3E}">
-        <p14:creationId xmlns:p14="http://schemas.microsoft.com/office/powerpoint/2010/main" val="2580441663"/>
+        <p14:creationId xmlns:p14="http://schemas.microsoft.com/office/powerpoint/2010/main" xmlns="" val="2580441663"/>
       </p:ext>
     </p:extLst>
   </p:cSld>
@@ -2723,7 +2748,8 @@
           <a:p>
             <a:fld id="{08DC069A-6C78-47E0-B868-4A8405BB51B0}" type="datetimeFigureOut">
               <a:rPr lang="zh-TW" altLang="en-US" smtClean="0"/>
-              <a:t>2012/5/4</a:t>
+              <a:pPr/>
+              <a:t>2012/5/8</a:t>
             </a:fld>
             <a:endParaRPr lang="zh-TW" altLang="en-US"/>
           </a:p>
@@ -2801,6 +2827,7 @@
           <a:p>
             <a:fld id="{DCCD0543-E9F3-4761-8F4C-9F62CBB0B072}" type="slidenum">
               <a:rPr lang="zh-TW" altLang="en-US" smtClean="0"/>
+              <a:pPr/>
               <a:t>‹#›</a:t>
             </a:fld>
             <a:endParaRPr lang="zh-TW" altLang="en-US"/>
@@ -2810,7 +2837,7 @@
     </p:spTree>
     <p:extLst>
       <p:ext uri="{BB962C8B-B14F-4D97-AF65-F5344CB8AC3E}">
-        <p14:creationId xmlns:p14="http://schemas.microsoft.com/office/powerpoint/2010/main" val="1462898684"/>
+        <p14:creationId xmlns:p14="http://schemas.microsoft.com/office/powerpoint/2010/main" xmlns="" val="1462898684"/>
       </p:ext>
     </p:extLst>
   </p:cSld>
@@ -3113,7 +3140,15 @@
           <a:bodyPr/>
           <a:lstStyle/>
           <a:p>
-            <a:endParaRPr lang="zh-TW" altLang="en-US"/>
+            <a:r>
+              <a:rPr lang="en-US" altLang="zh-TW" dirty="0" smtClean="0"/>
+              <a:t>File Browser </a:t>
+            </a:r>
+            <a:r>
+              <a:rPr lang="en-US" altLang="zh-TW" dirty="0" err="1" smtClean="0"/>
+              <a:t>Plugin</a:t>
+            </a:r>
+            <a:endParaRPr lang="zh-TW" altLang="en-US" dirty="0"/>
           </a:p>
         </p:txBody>
       </p:sp>
@@ -3132,14 +3167,19 @@
           <a:bodyPr/>
           <a:lstStyle/>
           <a:p>
-            <a:endParaRPr lang="zh-TW" altLang="en-US"/>
+            <a:pPr algn="l"/>
+            <a:r>
+              <a:rPr lang="en-US" altLang="zh-TW" dirty="0" smtClean="0"/>
+              <a:t>Jose Chang</a:t>
+            </a:r>
+            <a:endParaRPr lang="zh-TW" altLang="en-US" dirty="0"/>
           </a:p>
         </p:txBody>
       </p:sp>
     </p:spTree>
     <p:extLst>
       <p:ext uri="{BB962C8B-B14F-4D97-AF65-F5344CB8AC3E}">
-        <p14:creationId xmlns:p14="http://schemas.microsoft.com/office/powerpoint/2010/main" val="2718841653"/>
+        <p14:creationId xmlns:p14="http://schemas.microsoft.com/office/powerpoint/2010/main" xmlns="" val="2718841653"/>
       </p:ext>
     </p:extLst>
   </p:cSld>
@@ -3173,6 +3213,873 @@
           <a:chExt cx="0" cy="0"/>
         </a:xfrm>
       </p:grpSpPr>
+      <p:sp>
+        <p:nvSpPr>
+          <p:cNvPr id="2" name="標題 1"/>
+          <p:cNvSpPr>
+            <a:spLocks noGrp="1"/>
+          </p:cNvSpPr>
+          <p:nvPr>
+            <p:ph type="title"/>
+          </p:nvPr>
+        </p:nvSpPr>
+        <p:spPr/>
+        <p:txBody>
+          <a:bodyPr/>
+          <a:lstStyle/>
+          <a:p>
+            <a:r>
+              <a:rPr lang="en-US" altLang="zh-TW" dirty="0" err="1" smtClean="0"/>
+              <a:t>jQuery</a:t>
+            </a:r>
+            <a:r>
+              <a:rPr lang="en-US" altLang="zh-TW" dirty="0" smtClean="0"/>
+              <a:t> </a:t>
+            </a:r>
+            <a:r>
+              <a:rPr lang="en-US" altLang="zh-TW" dirty="0" err="1" smtClean="0"/>
+              <a:t>plugin</a:t>
+            </a:r>
+            <a:endParaRPr lang="zh-TW" altLang="en-US" dirty="0"/>
+          </a:p>
+        </p:txBody>
+      </p:sp>
+      <p:sp>
+        <p:nvSpPr>
+          <p:cNvPr id="4" name="文字方塊 3"/>
+          <p:cNvSpPr txBox="1"/>
+          <p:nvPr/>
+        </p:nvSpPr>
+        <p:spPr>
+          <a:xfrm>
+            <a:off x="251520" y="2348880"/>
+            <a:ext cx="2952328" cy="523220"/>
+          </a:xfrm>
+          <a:prstGeom prst="rect">
+            <a:avLst/>
+          </a:prstGeom>
+        </p:spPr>
+        <p:style>
+          <a:lnRef idx="2">
+            <a:schemeClr val="accent2"/>
+          </a:lnRef>
+          <a:fillRef idx="1">
+            <a:schemeClr val="lt1"/>
+          </a:fillRef>
+          <a:effectRef idx="0">
+            <a:schemeClr val="accent2"/>
+          </a:effectRef>
+          <a:fontRef idx="minor">
+            <a:schemeClr val="dk1"/>
+          </a:fontRef>
+        </p:style>
+        <p:txBody>
+          <a:bodyPr wrap="square" rtlCol="0">
+            <a:spAutoFit/>
+          </a:bodyPr>
+          <a:lstStyle/>
+          <a:p>
+            <a:r>
+              <a:rPr lang="en-US" altLang="zh-TW" sz="2800" dirty="0" smtClean="0"/>
+              <a:t>$.pluginType1(…);</a:t>
+            </a:r>
+          </a:p>
+        </p:txBody>
+      </p:sp>
+      <p:sp>
+        <p:nvSpPr>
+          <p:cNvPr id="6" name="文字方塊 5"/>
+          <p:cNvSpPr txBox="1"/>
+          <p:nvPr/>
+        </p:nvSpPr>
+        <p:spPr>
+          <a:xfrm>
+            <a:off x="3491880" y="2348880"/>
+            <a:ext cx="4320480" cy="523220"/>
+          </a:xfrm>
+          <a:prstGeom prst="rect">
+            <a:avLst/>
+          </a:prstGeom>
+        </p:spPr>
+        <p:style>
+          <a:lnRef idx="2">
+            <a:schemeClr val="accent3"/>
+          </a:lnRef>
+          <a:fillRef idx="1">
+            <a:schemeClr val="lt1"/>
+          </a:fillRef>
+          <a:effectRef idx="0">
+            <a:schemeClr val="accent3"/>
+          </a:effectRef>
+          <a:fontRef idx="minor">
+            <a:schemeClr val="dk1"/>
+          </a:fontRef>
+        </p:style>
+        <p:txBody>
+          <a:bodyPr wrap="square" rtlCol="0">
+            <a:spAutoFit/>
+          </a:bodyPr>
+          <a:lstStyle/>
+          <a:p>
+            <a:r>
+              <a:rPr lang="en-US" altLang="zh-TW" sz="2800" dirty="0" smtClean="0"/>
+              <a:t>$(“#</a:t>
+            </a:r>
+            <a:r>
+              <a:rPr lang="en-US" altLang="zh-TW" sz="2800" dirty="0" smtClean="0"/>
+              <a:t> panel</a:t>
+            </a:r>
+            <a:r>
+              <a:rPr lang="en-US" altLang="zh-TW" sz="2800" dirty="0" smtClean="0"/>
+              <a:t>”).pluginType2(…);</a:t>
+            </a:r>
+          </a:p>
+        </p:txBody>
+      </p:sp>
+      <p:sp>
+        <p:nvSpPr>
+          <p:cNvPr id="8" name="文字方塊 7"/>
+          <p:cNvSpPr txBox="1"/>
+          <p:nvPr/>
+        </p:nvSpPr>
+        <p:spPr>
+          <a:xfrm>
+            <a:off x="3491880" y="1702549"/>
+            <a:ext cx="3528392" cy="646331"/>
+          </a:xfrm>
+          <a:prstGeom prst="rect">
+            <a:avLst/>
+          </a:prstGeom>
+          <a:ln>
+            <a:prstDash val="dash"/>
+          </a:ln>
+        </p:spPr>
+        <p:style>
+          <a:lnRef idx="2">
+            <a:schemeClr val="accent3"/>
+          </a:lnRef>
+          <a:fillRef idx="1">
+            <a:schemeClr val="lt1"/>
+          </a:fillRef>
+          <a:effectRef idx="0">
+            <a:schemeClr val="accent3"/>
+          </a:effectRef>
+          <a:fontRef idx="minor">
+            <a:schemeClr val="dk1"/>
+          </a:fontRef>
+        </p:style>
+        <p:txBody>
+          <a:bodyPr wrap="square" rtlCol="0">
+            <a:spAutoFit/>
+          </a:bodyPr>
+          <a:lstStyle/>
+          <a:p>
+            <a:r>
+              <a:rPr lang="en-US" altLang="zh-TW" dirty="0" smtClean="0"/>
+              <a:t>Html: </a:t>
+            </a:r>
+          </a:p>
+          <a:p>
+            <a:r>
+              <a:rPr lang="en-US" altLang="zh-TW" dirty="0" smtClean="0"/>
+              <a:t>&lt;div id=‘panel’&gt;&lt;div&gt;</a:t>
+            </a:r>
+            <a:endParaRPr lang="zh-TW" altLang="en-US" dirty="0"/>
+          </a:p>
+        </p:txBody>
+      </p:sp>
+      <p:sp>
+        <p:nvSpPr>
+          <p:cNvPr id="9" name="弧形 8"/>
+          <p:cNvSpPr/>
+          <p:nvPr/>
+        </p:nvSpPr>
+        <p:spPr>
+          <a:xfrm rot="11486555">
+            <a:off x="2548986" y="2069150"/>
+            <a:ext cx="2461850" cy="1999620"/>
+          </a:xfrm>
+          <a:prstGeom prst="arc">
+            <a:avLst/>
+          </a:prstGeom>
+          <a:ln>
+            <a:headEnd type="none" w="med" len="med"/>
+            <a:tailEnd type="arrow" w="med" len="med"/>
+          </a:ln>
+        </p:spPr>
+        <p:style>
+          <a:lnRef idx="2">
+            <a:schemeClr val="accent1"/>
+          </a:lnRef>
+          <a:fillRef idx="0">
+            <a:schemeClr val="accent1"/>
+          </a:fillRef>
+          <a:effectRef idx="1">
+            <a:schemeClr val="accent1"/>
+          </a:effectRef>
+          <a:fontRef idx="minor">
+            <a:schemeClr val="tx1"/>
+          </a:fontRef>
+        </p:style>
+        <p:txBody>
+          <a:bodyPr rtlCol="0" anchor="ctr"/>
+          <a:lstStyle/>
+          <a:p>
+            <a:pPr algn="ctr"/>
+            <a:endParaRPr lang="zh-TW" altLang="en-US"/>
+          </a:p>
+        </p:txBody>
+      </p:sp>
+      <p:sp>
+        <p:nvSpPr>
+          <p:cNvPr id="10" name="弧形 9"/>
+          <p:cNvSpPr/>
+          <p:nvPr/>
+        </p:nvSpPr>
+        <p:spPr>
+          <a:xfrm rot="10997366" flipH="1">
+            <a:off x="2773948" y="1278442"/>
+            <a:ext cx="4604216" cy="2716938"/>
+          </a:xfrm>
+          <a:prstGeom prst="arc">
+            <a:avLst/>
+          </a:prstGeom>
+          <a:ln>
+            <a:headEnd type="none" w="med" len="med"/>
+            <a:tailEnd type="arrow" w="med" len="med"/>
+          </a:ln>
+        </p:spPr>
+        <p:style>
+          <a:lnRef idx="2">
+            <a:schemeClr val="accent1"/>
+          </a:lnRef>
+          <a:fillRef idx="0">
+            <a:schemeClr val="accent1"/>
+          </a:fillRef>
+          <a:effectRef idx="1">
+            <a:schemeClr val="accent1"/>
+          </a:effectRef>
+          <a:fontRef idx="minor">
+            <a:schemeClr val="tx1"/>
+          </a:fontRef>
+        </p:style>
+        <p:txBody>
+          <a:bodyPr rtlCol="0" anchor="ctr"/>
+          <a:lstStyle/>
+          <a:p>
+            <a:pPr algn="ctr"/>
+            <a:endParaRPr lang="zh-TW" altLang="en-US"/>
+          </a:p>
+        </p:txBody>
+      </p:sp>
+      <p:sp>
+        <p:nvSpPr>
+          <p:cNvPr id="11" name="矩形 10"/>
+          <p:cNvSpPr/>
+          <p:nvPr/>
+        </p:nvSpPr>
+        <p:spPr>
+          <a:xfrm>
+            <a:off x="3347864" y="3861048"/>
+            <a:ext cx="1728192" cy="369332"/>
+          </a:xfrm>
+          <a:prstGeom prst="rect">
+            <a:avLst/>
+          </a:prstGeom>
+        </p:spPr>
+        <p:style>
+          <a:lnRef idx="2">
+            <a:schemeClr val="accent5"/>
+          </a:lnRef>
+          <a:fillRef idx="1">
+            <a:schemeClr val="lt1"/>
+          </a:fillRef>
+          <a:effectRef idx="0">
+            <a:schemeClr val="accent5"/>
+          </a:effectRef>
+          <a:fontRef idx="minor">
+            <a:schemeClr val="dk1"/>
+          </a:fontRef>
+        </p:style>
+        <p:txBody>
+          <a:bodyPr wrap="square">
+            <a:spAutoFit/>
+          </a:bodyPr>
+          <a:lstStyle/>
+          <a:p>
+            <a:r>
+              <a:rPr lang="en-US" altLang="zh-TW" dirty="0" smtClean="0"/>
+              <a:t>arg1, arg2, …</a:t>
+            </a:r>
+            <a:endParaRPr lang="en-US" altLang="zh-TW" dirty="0" smtClean="0"/>
+          </a:p>
+        </p:txBody>
+      </p:sp>
+      <p:sp>
+        <p:nvSpPr>
+          <p:cNvPr id="12" name="弧形 11"/>
+          <p:cNvSpPr/>
+          <p:nvPr/>
+        </p:nvSpPr>
+        <p:spPr>
+          <a:xfrm rot="11486555">
+            <a:off x="3638105" y="3599134"/>
+            <a:ext cx="3349396" cy="1819972"/>
+          </a:xfrm>
+          <a:prstGeom prst="arc">
+            <a:avLst/>
+          </a:prstGeom>
+          <a:ln>
+            <a:headEnd type="none" w="med" len="med"/>
+            <a:tailEnd type="arrow" w="med" len="med"/>
+          </a:ln>
+        </p:spPr>
+        <p:style>
+          <a:lnRef idx="2">
+            <a:schemeClr val="accent1"/>
+          </a:lnRef>
+          <a:fillRef idx="0">
+            <a:schemeClr val="accent1"/>
+          </a:fillRef>
+          <a:effectRef idx="1">
+            <a:schemeClr val="accent1"/>
+          </a:effectRef>
+          <a:fontRef idx="minor">
+            <a:schemeClr val="tx1"/>
+          </a:fontRef>
+        </p:style>
+        <p:txBody>
+          <a:bodyPr rtlCol="0" anchor="ctr"/>
+          <a:lstStyle/>
+          <a:p>
+            <a:pPr algn="ctr"/>
+            <a:endParaRPr lang="zh-TW" altLang="en-US"/>
+          </a:p>
+        </p:txBody>
+      </p:sp>
+      <p:sp>
+        <p:nvSpPr>
+          <p:cNvPr id="5" name="矩形 4"/>
+          <p:cNvSpPr/>
+          <p:nvPr/>
+        </p:nvSpPr>
+        <p:spPr>
+          <a:xfrm>
+            <a:off x="5004048" y="4437112"/>
+            <a:ext cx="2664296" cy="2031325"/>
+          </a:xfrm>
+          <a:prstGeom prst="rect">
+            <a:avLst/>
+          </a:prstGeom>
+        </p:spPr>
+        <p:style>
+          <a:lnRef idx="2">
+            <a:schemeClr val="accent5"/>
+          </a:lnRef>
+          <a:fillRef idx="1">
+            <a:schemeClr val="lt1"/>
+          </a:fillRef>
+          <a:effectRef idx="0">
+            <a:schemeClr val="accent5"/>
+          </a:effectRef>
+          <a:fontRef idx="minor">
+            <a:schemeClr val="dk1"/>
+          </a:fontRef>
+        </p:style>
+        <p:txBody>
+          <a:bodyPr wrap="square">
+            <a:spAutoFit/>
+          </a:bodyPr>
+          <a:lstStyle/>
+          <a:p>
+            <a:r>
+              <a:rPr lang="en-US" altLang="zh-TW" dirty="0" smtClean="0"/>
+              <a:t>{</a:t>
+            </a:r>
+          </a:p>
+          <a:p>
+            <a:pPr lvl="1"/>
+            <a:r>
+              <a:rPr lang="en-US" altLang="zh-TW" dirty="0" smtClean="0"/>
+              <a:t>option1</a:t>
+            </a:r>
+            <a:r>
+              <a:rPr lang="en-US" altLang="zh-TW" dirty="0" smtClean="0"/>
+              <a:t>: “XXX”,</a:t>
+            </a:r>
+          </a:p>
+          <a:p>
+            <a:pPr lvl="1"/>
+            <a:r>
+              <a:rPr lang="en-US" altLang="zh-TW" dirty="0" smtClean="0"/>
+              <a:t>option2: “OOO”,</a:t>
+            </a:r>
+          </a:p>
+          <a:p>
+            <a:pPr lvl="1"/>
+            <a:r>
+              <a:rPr lang="en-US" altLang="zh-TW" dirty="0" smtClean="0"/>
+              <a:t>callback1: function(){ },</a:t>
+            </a:r>
+          </a:p>
+          <a:p>
+            <a:pPr lvl="1"/>
+            <a:r>
+              <a:rPr lang="en-US" altLang="zh-TW" dirty="0" smtClean="0"/>
+              <a:t>callback2: function(){}</a:t>
+            </a:r>
+          </a:p>
+          <a:p>
+            <a:r>
+              <a:rPr lang="en-US" altLang="zh-TW" dirty="0" smtClean="0"/>
+              <a:t>}</a:t>
+            </a:r>
+          </a:p>
+        </p:txBody>
+      </p:sp>
+    </p:spTree>
+  </p:cSld>
+  <p:clrMapOvr>
+    <a:masterClrMapping/>
+  </p:clrMapOvr>
+</p:sld>
+</file>
+
+<file path=ppt/slides/slide3.xml><?xml version="1.0" encoding="utf-8"?>
+<p:sld xmlns:a="http://schemas.openxmlformats.org/drawingml/2006/main" xmlns:r="http://schemas.openxmlformats.org/officeDocument/2006/relationships" xmlns:p="http://schemas.openxmlformats.org/presentationml/2006/main">
+  <p:cSld>
+    <p:spTree>
+      <p:nvGrpSpPr>
+        <p:cNvPr id="1" name=""/>
+        <p:cNvGrpSpPr/>
+        <p:nvPr/>
+      </p:nvGrpSpPr>
+      <p:grpSpPr>
+        <a:xfrm>
+          <a:off x="0" y="0"/>
+          <a:ext cx="0" cy="0"/>
+          <a:chOff x="0" y="0"/>
+          <a:chExt cx="0" cy="0"/>
+        </a:xfrm>
+      </p:grpSpPr>
+      <p:sp>
+        <p:nvSpPr>
+          <p:cNvPr id="18433" name="Rectangle 1"/>
+          <p:cNvSpPr>
+            <a:spLocks noChangeArrowheads="1"/>
+          </p:cNvSpPr>
+          <p:nvPr/>
+        </p:nvSpPr>
+        <p:spPr bwMode="auto">
+          <a:xfrm>
+            <a:off x="1835696" y="1682805"/>
+            <a:ext cx="3256020" cy="954107"/>
+          </a:xfrm>
+          <a:prstGeom prst="rect">
+            <a:avLst/>
+          </a:prstGeom>
+          <a:ln>
+            <a:prstDash val="dash"/>
+            <a:headEnd/>
+            <a:tailEnd/>
+          </a:ln>
+        </p:spPr>
+        <p:style>
+          <a:lnRef idx="2">
+            <a:schemeClr val="accent3"/>
+          </a:lnRef>
+          <a:fillRef idx="1">
+            <a:schemeClr val="lt1"/>
+          </a:fillRef>
+          <a:effectRef idx="0">
+            <a:schemeClr val="accent3"/>
+          </a:effectRef>
+          <a:fontRef idx="minor">
+            <a:schemeClr val="dk1"/>
+          </a:fontRef>
+        </p:style>
+        <p:txBody>
+          <a:bodyPr vert="horz" wrap="none" lIns="91440" tIns="45720" rIns="91440" bIns="45720" numCol="1" anchor="ctr" anchorCtr="0" compatLnSpc="1">
+            <a:prstTxWarp prst="textNoShape">
+              <a:avLst/>
+            </a:prstTxWarp>
+            <a:spAutoFit/>
+          </a:bodyPr>
+          <a:lstStyle/>
+          <a:p>
+            <a:pPr lvl="0" fontAlgn="base">
+              <a:spcBef>
+                <a:spcPct val="0"/>
+              </a:spcBef>
+              <a:spcAft>
+                <a:spcPct val="0"/>
+              </a:spcAft>
+            </a:pPr>
+            <a:r>
+              <a:rPr kumimoji="1" lang="en-US" altLang="zh-TW" sz="1400" b="0" i="0" u="none" strike="noStrike" cap="none" normalizeH="0" baseline="0" dirty="0" smtClean="0">
+                <a:ln>
+                  <a:noFill/>
+                </a:ln>
+                <a:solidFill>
+                  <a:schemeClr val="tx1"/>
+                </a:solidFill>
+                <a:effectLst/>
+                <a:latin typeface="Arial Unicode MS" pitchFamily="34" charset="-120"/>
+                <a:ea typeface="新細明體" pitchFamily="18" charset="-120"/>
+              </a:rPr>
+              <a:t>Html:</a:t>
+            </a:r>
+          </a:p>
+          <a:p>
+            <a:pPr lvl="0" fontAlgn="base">
+              <a:spcBef>
+                <a:spcPct val="0"/>
+              </a:spcBef>
+              <a:spcAft>
+                <a:spcPct val="0"/>
+              </a:spcAft>
+            </a:pPr>
+            <a:r>
+              <a:rPr kumimoji="1" lang="en-US" altLang="zh-TW" sz="1400" b="0" i="0" u="none" strike="noStrike" cap="none" normalizeH="0" baseline="0" dirty="0" smtClean="0">
+                <a:ln>
+                  <a:noFill/>
+                </a:ln>
+                <a:solidFill>
+                  <a:schemeClr val="tx1"/>
+                </a:solidFill>
+                <a:effectLst/>
+                <a:latin typeface="Arial Unicode MS" pitchFamily="34" charset="-120"/>
+                <a:ea typeface="新細明體" pitchFamily="18" charset="-120"/>
+              </a:rPr>
+              <a:t> </a:t>
+            </a:r>
+            <a:r>
+              <a:rPr kumimoji="1" lang="zh-TW" altLang="zh-TW" sz="1400" b="0" i="0" u="none" strike="noStrike" cap="none" normalizeH="0" baseline="0" dirty="0" smtClean="0">
+                <a:ln>
+                  <a:noFill/>
+                </a:ln>
+                <a:solidFill>
+                  <a:schemeClr val="tx1"/>
+                </a:solidFill>
+                <a:effectLst/>
+                <a:latin typeface="Arial Unicode MS" pitchFamily="34" charset="-120"/>
+                <a:ea typeface="新細明體" pitchFamily="18" charset="-120"/>
+              </a:rPr>
+              <a:t>&lt;div id=</a:t>
+            </a:r>
+            <a:r>
+              <a:rPr kumimoji="1" lang="en-US" altLang="zh-TW" sz="1400" b="0" i="0" u="none" strike="noStrike" cap="none" normalizeH="0" baseline="0" dirty="0" smtClean="0">
+                <a:ln>
+                  <a:noFill/>
+                </a:ln>
+                <a:solidFill>
+                  <a:schemeClr val="tx1"/>
+                </a:solidFill>
+                <a:effectLst/>
+                <a:latin typeface="Arial Unicode MS" pitchFamily="34" charset="-120"/>
+                <a:ea typeface="新細明體" pitchFamily="18" charset="-120"/>
+              </a:rPr>
+              <a:t>“</a:t>
+            </a:r>
+            <a:r>
+              <a:rPr kumimoji="1" lang="zh-TW" altLang="zh-TW" sz="1400" b="0" i="0" u="none" strike="noStrike" cap="none" normalizeH="0" baseline="0" dirty="0" smtClean="0">
+                <a:ln>
+                  <a:noFill/>
+                </a:ln>
+                <a:solidFill>
+                  <a:schemeClr val="tx1"/>
+                </a:solidFill>
+                <a:effectLst/>
+                <a:latin typeface="Arial Unicode MS" pitchFamily="34" charset="-120"/>
+                <a:ea typeface="新細明體" pitchFamily="18" charset="-120"/>
+              </a:rPr>
+              <a:t>dialog</a:t>
+            </a:r>
+            <a:r>
+              <a:rPr kumimoji="1" lang="en-US" altLang="zh-TW" sz="1400" dirty="0" smtClean="0">
+                <a:solidFill>
+                  <a:schemeClr val="tx1"/>
+                </a:solidFill>
+                <a:latin typeface="Arial Unicode MS" pitchFamily="34" charset="-120"/>
+                <a:ea typeface="新細明體" pitchFamily="18" charset="-120"/>
+              </a:rPr>
+              <a:t>” style='</a:t>
+            </a:r>
+            <a:r>
+              <a:rPr kumimoji="1" lang="en-US" altLang="zh-TW" sz="1400" dirty="0" err="1" smtClean="0">
+                <a:solidFill>
+                  <a:schemeClr val="tx1"/>
+                </a:solidFill>
+                <a:latin typeface="Arial Unicode MS" pitchFamily="34" charset="-120"/>
+                <a:ea typeface="新細明體" pitchFamily="18" charset="-120"/>
+              </a:rPr>
+              <a:t>display:none</a:t>
+            </a:r>
+            <a:r>
+              <a:rPr kumimoji="1" lang="en-US" altLang="zh-TW" sz="1400" dirty="0" smtClean="0">
+                <a:solidFill>
+                  <a:schemeClr val="tx1"/>
+                </a:solidFill>
+                <a:latin typeface="Arial Unicode MS" pitchFamily="34" charset="-120"/>
+                <a:ea typeface="新細明體" pitchFamily="18" charset="-120"/>
+              </a:rPr>
+              <a:t>;'</a:t>
+            </a:r>
+            <a:r>
+              <a:rPr kumimoji="1" lang="zh-TW" altLang="zh-TW" sz="1400" b="0" i="0" u="none" strike="noStrike" cap="none" normalizeH="0" baseline="0" dirty="0" smtClean="0">
+                <a:ln>
+                  <a:noFill/>
+                </a:ln>
+                <a:solidFill>
+                  <a:schemeClr val="tx1"/>
+                </a:solidFill>
+                <a:effectLst/>
+                <a:latin typeface="Arial Unicode MS" pitchFamily="34" charset="-120"/>
+                <a:ea typeface="新細明體" pitchFamily="18" charset="-120"/>
+              </a:rPr>
+              <a:t>&gt; </a:t>
+            </a:r>
+            <a:endParaRPr kumimoji="1" lang="en-US" altLang="zh-TW" sz="1400" b="0" i="0" u="none" strike="noStrike" cap="none" normalizeH="0" baseline="0" dirty="0" smtClean="0">
+              <a:ln>
+                <a:noFill/>
+              </a:ln>
+              <a:solidFill>
+                <a:schemeClr val="tx1"/>
+              </a:solidFill>
+              <a:effectLst/>
+              <a:latin typeface="Arial Unicode MS" pitchFamily="34" charset="-120"/>
+              <a:ea typeface="新細明體" pitchFamily="18" charset="-120"/>
+            </a:endParaRPr>
+          </a:p>
+          <a:p>
+            <a:pPr marL="0" marR="0" lvl="0" indent="0" algn="l" defTabSz="914400" rtl="0" eaLnBrk="1" fontAlgn="base" latinLnBrk="0" hangingPunct="1">
+              <a:lnSpc>
+                <a:spcPct val="100000"/>
+              </a:lnSpc>
+              <a:spcBef>
+                <a:spcPct val="0"/>
+              </a:spcBef>
+              <a:spcAft>
+                <a:spcPct val="0"/>
+              </a:spcAft>
+              <a:buClrTx/>
+              <a:buSzTx/>
+              <a:buFontTx/>
+              <a:buNone/>
+              <a:tabLst/>
+            </a:pPr>
+            <a:r>
+              <a:rPr kumimoji="1" lang="en-US" altLang="zh-TW" sz="1400" b="0" i="0" u="none" strike="noStrike" cap="none" normalizeH="0" baseline="0" dirty="0" smtClean="0">
+                <a:ln>
+                  <a:noFill/>
+                </a:ln>
+                <a:solidFill>
+                  <a:schemeClr val="tx1"/>
+                </a:solidFill>
+                <a:effectLst/>
+                <a:latin typeface="Arial Unicode MS" pitchFamily="34" charset="-120"/>
+                <a:ea typeface="新細明體" pitchFamily="18" charset="-120"/>
+              </a:rPr>
+              <a:t>    Hello world !</a:t>
+            </a:r>
+          </a:p>
+          <a:p>
+            <a:pPr marL="0" marR="0" lvl="0" indent="0" algn="l" defTabSz="914400" rtl="0" eaLnBrk="1" fontAlgn="base" latinLnBrk="0" hangingPunct="1">
+              <a:lnSpc>
+                <a:spcPct val="100000"/>
+              </a:lnSpc>
+              <a:spcBef>
+                <a:spcPct val="0"/>
+              </a:spcBef>
+              <a:spcAft>
+                <a:spcPct val="0"/>
+              </a:spcAft>
+              <a:buClrTx/>
+              <a:buSzTx/>
+              <a:buFontTx/>
+              <a:buNone/>
+              <a:tabLst/>
+            </a:pPr>
+            <a:r>
+              <a:rPr kumimoji="1" lang="zh-TW" altLang="zh-TW" sz="1400" b="0" i="0" u="none" strike="noStrike" cap="none" normalizeH="0" baseline="0" dirty="0" smtClean="0">
+                <a:ln>
+                  <a:noFill/>
+                </a:ln>
+                <a:solidFill>
+                  <a:schemeClr val="tx1"/>
+                </a:solidFill>
+                <a:effectLst/>
+                <a:latin typeface="Arial Unicode MS" pitchFamily="34" charset="-120"/>
+                <a:ea typeface="新細明體" pitchFamily="18" charset="-120"/>
+              </a:rPr>
+              <a:t>&lt;/div&gt;</a:t>
+            </a:r>
+            <a:r>
+              <a:rPr kumimoji="1" lang="zh-TW" altLang="zh-TW" sz="1400" b="0" i="0" u="none" strike="noStrike" cap="none" normalizeH="0" baseline="0" dirty="0" smtClean="0">
+                <a:ln>
+                  <a:noFill/>
+                </a:ln>
+                <a:solidFill>
+                  <a:schemeClr val="tx1"/>
+                </a:solidFill>
+                <a:effectLst/>
+                <a:latin typeface="Arial" pitchFamily="34" charset="0"/>
+                <a:ea typeface="新細明體" pitchFamily="18" charset="-120"/>
+              </a:rPr>
+              <a:t> </a:t>
+            </a:r>
+          </a:p>
+        </p:txBody>
+      </p:sp>
+      <p:sp>
+        <p:nvSpPr>
+          <p:cNvPr id="18434" name="Rectangle 2"/>
+          <p:cNvSpPr>
+            <a:spLocks noChangeArrowheads="1"/>
+          </p:cNvSpPr>
+          <p:nvPr/>
+        </p:nvSpPr>
+        <p:spPr bwMode="auto">
+          <a:xfrm>
+            <a:off x="1835696" y="2636912"/>
+            <a:ext cx="6145978" cy="523220"/>
+          </a:xfrm>
+          <a:prstGeom prst="rect">
+            <a:avLst/>
+          </a:prstGeom>
+          <a:ln>
+            <a:headEnd/>
+            <a:tailEnd/>
+          </a:ln>
+        </p:spPr>
+        <p:style>
+          <a:lnRef idx="2">
+            <a:schemeClr val="accent3"/>
+          </a:lnRef>
+          <a:fillRef idx="1">
+            <a:schemeClr val="lt1"/>
+          </a:fillRef>
+          <a:effectRef idx="0">
+            <a:schemeClr val="accent3"/>
+          </a:effectRef>
+          <a:fontRef idx="minor">
+            <a:schemeClr val="dk1"/>
+          </a:fontRef>
+        </p:style>
+        <p:txBody>
+          <a:bodyPr vert="horz" wrap="none" lIns="91440" tIns="45720" rIns="91440" bIns="45720" numCol="1" anchor="ctr" anchorCtr="0" compatLnSpc="1">
+            <a:prstTxWarp prst="textNoShape">
+              <a:avLst/>
+            </a:prstTxWarp>
+            <a:spAutoFit/>
+          </a:bodyPr>
+          <a:lstStyle/>
+          <a:p>
+            <a:pPr lvl="0" fontAlgn="base">
+              <a:spcBef>
+                <a:spcPct val="0"/>
+              </a:spcBef>
+              <a:spcAft>
+                <a:spcPct val="0"/>
+              </a:spcAft>
+            </a:pPr>
+            <a:r>
+              <a:rPr kumimoji="1" lang="zh-TW" altLang="zh-TW" sz="2800" i="0" u="none" strike="noStrike" cap="none" normalizeH="0" baseline="0" dirty="0" smtClean="0">
+                <a:ln>
+                  <a:noFill/>
+                </a:ln>
+                <a:solidFill>
+                  <a:schemeClr val="tx1"/>
+                </a:solidFill>
+                <a:effectLst/>
+                <a:ea typeface="新細明體" pitchFamily="18" charset="-120"/>
+              </a:rPr>
+              <a:t>$( "#dialog" ).dialog(</a:t>
+            </a:r>
+            <a:r>
+              <a:rPr kumimoji="1" lang="en-US" altLang="zh-TW" sz="2800" dirty="0" smtClean="0">
+                <a:solidFill>
+                  <a:schemeClr val="tx1"/>
+                </a:solidFill>
+                <a:ea typeface="新細明體" pitchFamily="18" charset="-120"/>
+              </a:rPr>
+              <a:t>{title: "my dialog"}</a:t>
+            </a:r>
+            <a:r>
+              <a:rPr kumimoji="1" lang="zh-TW" altLang="zh-TW" sz="2800" i="0" u="none" strike="noStrike" cap="none" normalizeH="0" baseline="0" dirty="0" smtClean="0">
+                <a:ln>
+                  <a:noFill/>
+                </a:ln>
+                <a:solidFill>
+                  <a:schemeClr val="tx1"/>
+                </a:solidFill>
+                <a:effectLst/>
+                <a:ea typeface="新細明體" pitchFamily="18" charset="-120"/>
+              </a:rPr>
+              <a:t>); </a:t>
+            </a:r>
+          </a:p>
+        </p:txBody>
+      </p:sp>
+      <p:pic>
+        <p:nvPicPr>
+          <p:cNvPr id="18435" name="Picture 3"/>
+          <p:cNvPicPr>
+            <a:picLocks noChangeAspect="1" noChangeArrowheads="1"/>
+          </p:cNvPicPr>
+          <p:nvPr/>
+        </p:nvPicPr>
+        <p:blipFill>
+          <a:blip r:embed="rId2" cstate="print"/>
+          <a:srcRect/>
+          <a:stretch>
+            <a:fillRect/>
+          </a:stretch>
+        </p:blipFill>
+        <p:spPr bwMode="auto">
+          <a:xfrm>
+            <a:off x="2627784" y="3861048"/>
+            <a:ext cx="3686175" cy="2143125"/>
+          </a:xfrm>
+          <a:prstGeom prst="rect">
+            <a:avLst/>
+          </a:prstGeom>
+          <a:noFill/>
+          <a:ln w="9525">
+            <a:solidFill>
+              <a:schemeClr val="accent1"/>
+            </a:solidFill>
+            <a:miter lim="800000"/>
+            <a:headEnd/>
+            <a:tailEnd/>
+          </a:ln>
+        </p:spPr>
+      </p:pic>
+    </p:spTree>
+  </p:cSld>
+  <p:clrMapOvr>
+    <a:masterClrMapping/>
+  </p:clrMapOvr>
+</p:sld>
+</file>
+
+<file path=ppt/slides/slide4.xml><?xml version="1.0" encoding="utf-8"?>
+<p:sld xmlns:a="http://schemas.openxmlformats.org/drawingml/2006/main" xmlns:r="http://schemas.openxmlformats.org/officeDocument/2006/relationships" xmlns:p="http://schemas.openxmlformats.org/presentationml/2006/main">
+  <p:cSld>
+    <p:spTree>
+      <p:nvGrpSpPr>
+        <p:cNvPr id="1" name=""/>
+        <p:cNvGrpSpPr/>
+        <p:nvPr/>
+      </p:nvGrpSpPr>
+      <p:grpSpPr>
+        <a:xfrm>
+          <a:off x="0" y="0"/>
+          <a:ext cx="0" cy="0"/>
+          <a:chOff x="0" y="0"/>
+          <a:chExt cx="0" cy="0"/>
+        </a:xfrm>
+      </p:grpSpPr>
       <p:pic>
         <p:nvPicPr>
           <p:cNvPr id="17" name="Picture 3"/>
@@ -3185,7 +4092,7 @@
           <a:blip r:embed="rId2" cstate="print">
             <a:extLst>
               <a:ext uri="{28A0092B-C50C-407E-A947-70E740481C1C}">
-                <a14:useLocalDpi xmlns:a14="http://schemas.microsoft.com/office/drawing/2010/main" val="0"/>
+                <a14:useLocalDpi xmlns:a14="http://schemas.microsoft.com/office/drawing/2010/main" xmlns="" val="0"/>
               </a:ext>
             </a:extLst>
           </a:blip>
@@ -3213,14 +4120,14 @@
           </a:effectLst>
           <a:extLst>
             <a:ext uri="{909E8E84-426E-40DD-AFC4-6F175D3DCCD1}">
-              <a14:hiddenFill xmlns:a14="http://schemas.microsoft.com/office/drawing/2010/main">
+              <a14:hiddenFill xmlns:a14="http://schemas.microsoft.com/office/drawing/2010/main" xmlns="">
                 <a:solidFill>
                   <a:schemeClr val="accent1"/>
                 </a:solidFill>
               </a14:hiddenFill>
             </a:ext>
             <a:ext uri="{91240B29-F687-4F45-9708-019B960494DF}">
-              <a14:hiddenLine xmlns:a14="http://schemas.microsoft.com/office/drawing/2010/main" w="9525">
+              <a14:hiddenLine xmlns:a14="http://schemas.microsoft.com/office/drawing/2010/main" xmlns="" w="9525">
                 <a:solidFill>
                   <a:schemeClr val="tx1"/>
                 </a:solidFill>
@@ -3241,10 +4148,10 @@
           <p:nvPr/>
         </p:nvPicPr>
         <p:blipFill>
-          <a:blip r:embed="rId3">
+          <a:blip r:embed="rId3" cstate="print">
             <a:extLst>
               <a:ext uri="{28A0092B-C50C-407E-A947-70E740481C1C}">
-                <a14:useLocalDpi xmlns:a14="http://schemas.microsoft.com/office/drawing/2010/main" val="0"/>
+                <a14:useLocalDpi xmlns:a14="http://schemas.microsoft.com/office/drawing/2010/main" xmlns="" val="0"/>
               </a:ext>
             </a:extLst>
           </a:blip>
@@ -3306,7 +4213,7 @@
           <a:blip r:embed="rId4" cstate="print">
             <a:extLst>
               <a:ext uri="{28A0092B-C50C-407E-A947-70E740481C1C}">
-                <a14:useLocalDpi xmlns:a14="http://schemas.microsoft.com/office/drawing/2010/main" val="0"/>
+                <a14:useLocalDpi xmlns:a14="http://schemas.microsoft.com/office/drawing/2010/main" xmlns="" val="0"/>
               </a:ext>
             </a:extLst>
           </a:blip>
@@ -3334,14 +4241,14 @@
           </a:effectLst>
           <a:extLst>
             <a:ext uri="{909E8E84-426E-40DD-AFC4-6F175D3DCCD1}">
-              <a14:hiddenFill xmlns:a14="http://schemas.microsoft.com/office/drawing/2010/main">
+              <a14:hiddenFill xmlns:a14="http://schemas.microsoft.com/office/drawing/2010/main" xmlns="">
                 <a:solidFill>
                   <a:schemeClr val="accent1"/>
                 </a:solidFill>
               </a14:hiddenFill>
             </a:ext>
             <a:ext uri="{91240B29-F687-4F45-9708-019B960494DF}">
-              <a14:hiddenLine xmlns:a14="http://schemas.microsoft.com/office/drawing/2010/main" w="9525">
+              <a14:hiddenLine xmlns:a14="http://schemas.microsoft.com/office/drawing/2010/main" xmlns="" w="9525">
                 <a:solidFill>
                   <a:schemeClr val="tx1"/>
                 </a:solidFill>
@@ -3592,7 +4499,7 @@
           <a:blip r:embed="rId5" cstate="print">
             <a:extLst>
               <a:ext uri="{28A0092B-C50C-407E-A947-70E740481C1C}">
-                <a14:useLocalDpi xmlns:a14="http://schemas.microsoft.com/office/drawing/2010/main" val="0"/>
+                <a14:useLocalDpi xmlns:a14="http://schemas.microsoft.com/office/drawing/2010/main" xmlns="" val="0"/>
               </a:ext>
             </a:extLst>
           </a:blip>
@@ -3620,14 +4527,14 @@
           </a:effectLst>
           <a:extLst>
             <a:ext uri="{909E8E84-426E-40DD-AFC4-6F175D3DCCD1}">
-              <a14:hiddenFill xmlns:a14="http://schemas.microsoft.com/office/drawing/2010/main">
+              <a14:hiddenFill xmlns:a14="http://schemas.microsoft.com/office/drawing/2010/main" xmlns="">
                 <a:solidFill>
                   <a:schemeClr val="accent1"/>
                 </a:solidFill>
               </a14:hiddenFill>
             </a:ext>
             <a:ext uri="{91240B29-F687-4F45-9708-019B960494DF}">
-              <a14:hiddenLine xmlns:a14="http://schemas.microsoft.com/office/drawing/2010/main" w="9525">
+              <a14:hiddenLine xmlns:a14="http://schemas.microsoft.com/office/drawing/2010/main" xmlns="" w="9525">
                 <a:solidFill>
                   <a:schemeClr val="tx1"/>
                 </a:solidFill>
@@ -3791,7 +4698,7 @@
           <a:blip r:embed="rId2" cstate="print">
             <a:extLst>
               <a:ext uri="{28A0092B-C50C-407E-A947-70E740481C1C}">
-                <a14:useLocalDpi xmlns:a14="http://schemas.microsoft.com/office/drawing/2010/main" val="0"/>
+                <a14:useLocalDpi xmlns:a14="http://schemas.microsoft.com/office/drawing/2010/main" xmlns="" val="0"/>
               </a:ext>
             </a:extLst>
           </a:blip>
@@ -3819,14 +4726,14 @@
           </a:effectLst>
           <a:extLst>
             <a:ext uri="{909E8E84-426E-40DD-AFC4-6F175D3DCCD1}">
-              <a14:hiddenFill xmlns:a14="http://schemas.microsoft.com/office/drawing/2010/main">
+              <a14:hiddenFill xmlns:a14="http://schemas.microsoft.com/office/drawing/2010/main" xmlns="">
                 <a:solidFill>
                   <a:schemeClr val="accent1"/>
                 </a:solidFill>
               </a14:hiddenFill>
             </a:ext>
             <a:ext uri="{91240B29-F687-4F45-9708-019B960494DF}">
-              <a14:hiddenLine xmlns:a14="http://schemas.microsoft.com/office/drawing/2010/main" w="9525">
+              <a14:hiddenLine xmlns:a14="http://schemas.microsoft.com/office/drawing/2010/main" xmlns="" w="9525">
                 <a:solidFill>
                   <a:schemeClr val="tx1"/>
                 </a:solidFill>
@@ -4030,7 +4937,7 @@
           <a:blip r:embed="rId6" cstate="print">
             <a:extLst>
               <a:ext uri="{28A0092B-C50C-407E-A947-70E740481C1C}">
-                <a14:useLocalDpi xmlns:a14="http://schemas.microsoft.com/office/drawing/2010/main" val="0"/>
+                <a14:useLocalDpi xmlns:a14="http://schemas.microsoft.com/office/drawing/2010/main" xmlns="" val="0"/>
               </a:ext>
             </a:extLst>
           </a:blip>
@@ -4054,14 +4961,14 @@
           <a:effectLst/>
           <a:extLst>
             <a:ext uri="{909E8E84-426E-40DD-AFC4-6F175D3DCCD1}">
-              <a14:hiddenFill xmlns:a14="http://schemas.microsoft.com/office/drawing/2010/main">
+              <a14:hiddenFill xmlns:a14="http://schemas.microsoft.com/office/drawing/2010/main" xmlns="">
                 <a:solidFill>
                   <a:schemeClr val="accent1"/>
                 </a:solidFill>
               </a14:hiddenFill>
             </a:ext>
             <a:ext uri="{91240B29-F687-4F45-9708-019B960494DF}">
-              <a14:hiddenLine xmlns:a14="http://schemas.microsoft.com/office/drawing/2010/main" w="9525">
+              <a14:hiddenLine xmlns:a14="http://schemas.microsoft.com/office/drawing/2010/main" xmlns="" w="9525">
                 <a:solidFill>
                   <a:schemeClr val="tx1"/>
                 </a:solidFill>
@@ -4071,7 +4978,7 @@
               </a14:hiddenLine>
             </a:ext>
             <a:ext uri="{AF507438-7753-43E0-B8FC-AC1667EBCBE1}">
-              <a14:hiddenEffects xmlns:a14="http://schemas.microsoft.com/office/drawing/2010/main">
+              <a14:hiddenEffects xmlns:a14="http://schemas.microsoft.com/office/drawing/2010/main" xmlns="">
                 <a:effectLst>
                   <a:outerShdw dist="35921" dir="2700000" algn="ctr" rotWithShape="0">
                     <a:schemeClr val="bg2"/>
@@ -4367,7 +5274,7 @@
     </p:spTree>
     <p:extLst>
       <p:ext uri="{BB962C8B-B14F-4D97-AF65-F5344CB8AC3E}">
-        <p14:creationId xmlns:p14="http://schemas.microsoft.com/office/powerpoint/2010/main" val="1274152542"/>
+        <p14:creationId xmlns:p14="http://schemas.microsoft.com/office/powerpoint/2010/main" xmlns="" val="1274152542"/>
       </p:ext>
     </p:extLst>
   </p:cSld>
@@ -4384,7 +5291,7 @@
 </p:sld>
 </file>
 
-<file path=ppt/slides/slide3.xml><?xml version="1.0" encoding="utf-8"?>
+<file path=ppt/slides/slide5.xml><?xml version="1.0" encoding="utf-8"?>
 <p:sld xmlns:a="http://schemas.openxmlformats.org/drawingml/2006/main" xmlns:r="http://schemas.openxmlformats.org/officeDocument/2006/relationships" xmlns:p="http://schemas.openxmlformats.org/presentationml/2006/main">
   <p:cSld>
     <p:spTree>
@@ -4413,7 +5320,7 @@
           <a:blip r:embed="rId2" cstate="print">
             <a:extLst>
               <a:ext uri="{28A0092B-C50C-407E-A947-70E740481C1C}">
-                <a14:useLocalDpi xmlns:a14="http://schemas.microsoft.com/office/drawing/2010/main" val="0"/>
+                <a14:useLocalDpi xmlns:a14="http://schemas.microsoft.com/office/drawing/2010/main" xmlns="" val="0"/>
               </a:ext>
             </a:extLst>
           </a:blip>
@@ -4442,14 +5349,14 @@
           <a:effectLst/>
           <a:extLst>
             <a:ext uri="{909E8E84-426E-40DD-AFC4-6F175D3DCCD1}">
-              <a14:hiddenFill xmlns:a14="http://schemas.microsoft.com/office/drawing/2010/main">
+              <a14:hiddenFill xmlns:a14="http://schemas.microsoft.com/office/drawing/2010/main" xmlns="">
                 <a:solidFill>
                   <a:schemeClr val="accent1"/>
                 </a:solidFill>
               </a14:hiddenFill>
             </a:ext>
             <a:ext uri="{AF507438-7753-43E0-B8FC-AC1667EBCBE1}">
-              <a14:hiddenEffects xmlns:a14="http://schemas.microsoft.com/office/drawing/2010/main">
+              <a14:hiddenEffects xmlns:a14="http://schemas.microsoft.com/office/drawing/2010/main" xmlns="">
                 <a:effectLst>
                   <a:outerShdw dist="35921" dir="2700000" algn="ctr" rotWithShape="0">
                     <a:schemeClr val="bg2"/>
@@ -4469,10 +5376,10 @@
           <p:nvPr/>
         </p:nvPicPr>
         <p:blipFill>
-          <a:blip r:embed="rId3">
+          <a:blip r:embed="rId3" cstate="print">
             <a:extLst>
               <a:ext uri="{28A0092B-C50C-407E-A947-70E740481C1C}">
-                <a14:useLocalDpi xmlns:a14="http://schemas.microsoft.com/office/drawing/2010/main" val="0"/>
+                <a14:useLocalDpi xmlns:a14="http://schemas.microsoft.com/office/drawing/2010/main" xmlns="" val="0"/>
               </a:ext>
             </a:extLst>
           </a:blip>
@@ -5204,10 +6111,10 @@
           <p:nvPr/>
         </p:nvPicPr>
         <p:blipFill>
-          <a:blip r:embed="rId4">
+          <a:blip r:embed="rId4" cstate="print">
             <a:extLst>
               <a:ext uri="{28A0092B-C50C-407E-A947-70E740481C1C}">
-                <a14:useLocalDpi xmlns:a14="http://schemas.microsoft.com/office/drawing/2010/main" val="0"/>
+                <a14:useLocalDpi xmlns:a14="http://schemas.microsoft.com/office/drawing/2010/main" xmlns="" val="0"/>
               </a:ext>
             </a:extLst>
           </a:blip>
@@ -5239,7 +6146,7 @@
           </a:effectLst>
           <a:extLst>
             <a:ext uri="{91240B29-F687-4F45-9708-019B960494DF}">
-              <a14:hiddenLine xmlns:a14="http://schemas.microsoft.com/office/drawing/2010/main" w="9525">
+              <a14:hiddenLine xmlns:a14="http://schemas.microsoft.com/office/drawing/2010/main" xmlns="" w="9525">
                 <a:solidFill>
                   <a:schemeClr val="tx1"/>
                 </a:solidFill>
@@ -5249,7 +6156,7 @@
               </a14:hiddenLine>
             </a:ext>
             <a:ext uri="{AF507438-7753-43E0-B8FC-AC1667EBCBE1}">
-              <a14:hiddenEffects xmlns:a14="http://schemas.microsoft.com/office/drawing/2010/main">
+              <a14:hiddenEffects xmlns:a14="http://schemas.microsoft.com/office/drawing/2010/main" xmlns="">
                 <a:effectLst>
                   <a:outerShdw dist="35921" dir="2700000" algn="ctr" rotWithShape="0">
                     <a:schemeClr val="bg2"/>
@@ -5308,7 +6215,7 @@
     </p:spTree>
     <p:extLst>
       <p:ext uri="{BB962C8B-B14F-4D97-AF65-F5344CB8AC3E}">
-        <p14:creationId xmlns:p14="http://schemas.microsoft.com/office/powerpoint/2010/main" val="3275546725"/>
+        <p14:creationId xmlns:p14="http://schemas.microsoft.com/office/powerpoint/2010/main" xmlns="" val="3275546725"/>
       </p:ext>
     </p:extLst>
   </p:cSld>
@@ -5325,7 +6232,7 @@
 </p:sld>
 </file>
 
-<file path=ppt/slides/slide4.xml><?xml version="1.0" encoding="utf-8"?>
+<file path=ppt/slides/slide6.xml><?xml version="1.0" encoding="utf-8"?>
 <p:sld xmlns:a="http://schemas.openxmlformats.org/drawingml/2006/main" xmlns:r="http://schemas.openxmlformats.org/officeDocument/2006/relationships" xmlns:p="http://schemas.openxmlformats.org/presentationml/2006/main">
   <p:cSld>
     <p:spTree>
@@ -5354,7 +6261,7 @@
           <a:blip r:embed="rId2" cstate="print">
             <a:extLst>
               <a:ext uri="{28A0092B-C50C-407E-A947-70E740481C1C}">
-                <a14:useLocalDpi xmlns:a14="http://schemas.microsoft.com/office/drawing/2010/main" val="0"/>
+                <a14:useLocalDpi xmlns:a14="http://schemas.microsoft.com/office/drawing/2010/main" xmlns="" val="0"/>
               </a:ext>
             </a:extLst>
           </a:blip>
@@ -5387,7 +6294,7 @@
           </a:effectLst>
           <a:extLst>
             <a:ext uri="{909E8E84-426E-40DD-AFC4-6F175D3DCCD1}">
-              <a14:hiddenFill xmlns:a14="http://schemas.microsoft.com/office/drawing/2010/main">
+              <a14:hiddenFill xmlns:a14="http://schemas.microsoft.com/office/drawing/2010/main" xmlns="">
                 <a:solidFill>
                   <a:schemeClr val="accent1"/>
                 </a:solidFill>
@@ -5405,10 +6312,10 @@
           <p:nvPr/>
         </p:nvPicPr>
         <p:blipFill>
-          <a:blip r:embed="rId3">
+          <a:blip r:embed="rId3" cstate="print">
             <a:extLst>
               <a:ext uri="{28A0092B-C50C-407E-A947-70E740481C1C}">
-                <a14:useLocalDpi xmlns:a14="http://schemas.microsoft.com/office/drawing/2010/main" val="0"/>
+                <a14:useLocalDpi xmlns:a14="http://schemas.microsoft.com/office/drawing/2010/main" xmlns="" val="0"/>
               </a:ext>
             </a:extLst>
           </a:blip>
@@ -6079,7 +6986,7 @@
     </p:spTree>
     <p:extLst>
       <p:ext uri="{BB962C8B-B14F-4D97-AF65-F5344CB8AC3E}">
-        <p14:creationId xmlns:p14="http://schemas.microsoft.com/office/powerpoint/2010/main" val="3200329327"/>
+        <p14:creationId xmlns:p14="http://schemas.microsoft.com/office/powerpoint/2010/main" xmlns="" val="3200329327"/>
       </p:ext>
     </p:extLst>
   </p:cSld>
@@ -6093,6 +7000,73 @@
       </p:par>
     </p:tnLst>
   </p:timing>
+</p:sld>
+</file>
+
+<file path=ppt/slides/slide7.xml><?xml version="1.0" encoding="utf-8"?>
+<p:sld xmlns:a="http://schemas.openxmlformats.org/drawingml/2006/main" xmlns:r="http://schemas.openxmlformats.org/officeDocument/2006/relationships" xmlns:p="http://schemas.openxmlformats.org/presentationml/2006/main">
+  <p:cSld>
+    <p:spTree>
+      <p:nvGrpSpPr>
+        <p:cNvPr id="1" name=""/>
+        <p:cNvGrpSpPr/>
+        <p:nvPr/>
+      </p:nvGrpSpPr>
+      <p:grpSpPr>
+        <a:xfrm>
+          <a:off x="0" y="0"/>
+          <a:ext cx="0" cy="0"/>
+          <a:chOff x="0" y="0"/>
+          <a:chExt cx="0" cy="0"/>
+        </a:xfrm>
+      </p:grpSpPr>
+      <p:sp>
+        <p:nvSpPr>
+          <p:cNvPr id="2" name="標題 1"/>
+          <p:cNvSpPr>
+            <a:spLocks noGrp="1"/>
+          </p:cNvSpPr>
+          <p:nvPr>
+            <p:ph type="title"/>
+          </p:nvPr>
+        </p:nvSpPr>
+        <p:spPr/>
+        <p:txBody>
+          <a:bodyPr/>
+          <a:lstStyle/>
+          <a:p>
+            <a:endParaRPr lang="zh-TW" altLang="en-US"/>
+          </a:p>
+        </p:txBody>
+      </p:sp>
+      <p:sp>
+        <p:nvSpPr>
+          <p:cNvPr id="3" name="內容版面配置區 2"/>
+          <p:cNvSpPr>
+            <a:spLocks noGrp="1"/>
+          </p:cNvSpPr>
+          <p:nvPr>
+            <p:ph idx="1"/>
+          </p:nvPr>
+        </p:nvSpPr>
+        <p:spPr/>
+        <p:txBody>
+          <a:bodyPr/>
+          <a:lstStyle/>
+          <a:p>
+            <a:r>
+              <a:rPr lang="en-US" altLang="zh-TW" dirty="0" smtClean="0"/>
+              <a:t>Thanks</a:t>
+            </a:r>
+            <a:endParaRPr lang="zh-TW" altLang="en-US" dirty="0"/>
+          </a:p>
+        </p:txBody>
+      </p:sp>
+    </p:spTree>
+  </p:cSld>
+  <p:clrMapOvr>
+    <a:masterClrMapping/>
+  </p:clrMapOvr>
 </p:sld>
 </file>
 
